--- a/Section07/7.1-Python_NumPy.pptx
+++ b/Section07/7.1-Python_NumPy.pptx
@@ -3399,7 +3399,7 @@
           <a:p>
             <a:fld id="{88D38747-4367-4BD2-8D51-C97E202738E2}" type="datetime1">
               <a:rPr lang="en-US" smtClean="0"/>
-              <a:t>10/26/2022</a:t>
+              <a:t>10/30/2022</a:t>
             </a:fld>
             <a:endParaRPr lang="en-US" dirty="0"/>
           </a:p>
@@ -3707,7 +3707,7 @@
           <a:p>
             <a:fld id="{11F1B079-7EF0-44EE-B798-BCC497C9F3B2}" type="datetime1">
               <a:rPr lang="en-US" smtClean="0"/>
-              <a:t>10/26/2022</a:t>
+              <a:t>10/30/2022</a:t>
             </a:fld>
             <a:endParaRPr lang="en-US" dirty="0"/>
           </a:p>
@@ -3904,7 +3904,7 @@
           <a:p>
             <a:fld id="{28FF70A8-1D13-4657-95F0-A9EA54967B8D}" type="datetime1">
               <a:rPr lang="en-US" smtClean="0"/>
-              <a:t>10/26/2022</a:t>
+              <a:t>10/30/2022</a:t>
             </a:fld>
             <a:endParaRPr lang="en-US" dirty="0"/>
           </a:p>
@@ -4170,7 +4170,7 @@
           <a:p>
             <a:fld id="{21EB90AC-71BD-4C7F-8ACA-7B3F18292E63}" type="datetime1">
               <a:rPr lang="en-US" smtClean="0"/>
-              <a:t>10/26/2022</a:t>
+              <a:t>10/30/2022</a:t>
             </a:fld>
             <a:endParaRPr lang="en-US" dirty="0"/>
           </a:p>
@@ -4609,7 +4609,7 @@
           <a:p>
             <a:fld id="{4E6EFC2C-8905-46F0-B443-CE905B76BA01}" type="datetime1">
               <a:rPr lang="en-US" smtClean="0"/>
-              <a:t>10/26/2022</a:t>
+              <a:t>10/30/2022</a:t>
             </a:fld>
             <a:endParaRPr lang="en-US" dirty="0"/>
           </a:p>
@@ -5149,7 +5149,7 @@
           <a:p>
             <a:fld id="{D9079DC3-C9B5-499E-9140-0DC28B7074E2}" type="datetime1">
               <a:rPr lang="en-US" smtClean="0"/>
-              <a:t>10/26/2022</a:t>
+              <a:t>10/30/2022</a:t>
             </a:fld>
             <a:endParaRPr lang="en-US" dirty="0"/>
           </a:p>
@@ -6034,7 +6034,7 @@
           <a:p>
             <a:fld id="{30BB33EA-E472-4D22-9C03-A9C14AA21CED}" type="datetime1">
               <a:rPr lang="en-US" smtClean="0"/>
-              <a:t>10/26/2022</a:t>
+              <a:t>10/30/2022</a:t>
             </a:fld>
             <a:endParaRPr lang="en-US" dirty="0"/>
           </a:p>
@@ -6207,7 +6207,7 @@
           <a:p>
             <a:fld id="{73C55A3C-5767-4844-A0A3-83778C2E5409}" type="datetime1">
               <a:rPr lang="en-US" smtClean="0"/>
-              <a:t>10/26/2022</a:t>
+              <a:t>10/30/2022</a:t>
             </a:fld>
             <a:endParaRPr lang="en-US" dirty="0"/>
           </a:p>
@@ -6454,7 +6454,7 @@
           <a:p>
             <a:fld id="{CAE507A8-A5CF-4D38-AB86-7EDDA87A85D4}" type="datetime1">
               <a:rPr lang="en-US" smtClean="0"/>
-              <a:t>10/26/2022</a:t>
+              <a:t>10/30/2022</a:t>
             </a:fld>
             <a:endParaRPr lang="en-US" dirty="0"/>
           </a:p>
@@ -6699,7 +6699,7 @@
           <a:p>
             <a:fld id="{BDFCD27C-8599-43EF-BA1D-14DDC1946E06}" type="datetime1">
               <a:rPr lang="en-US" smtClean="0"/>
-              <a:t>10/26/2022</a:t>
+              <a:t>10/30/2022</a:t>
             </a:fld>
             <a:endParaRPr lang="en-US" dirty="0"/>
           </a:p>
@@ -7185,7 +7185,7 @@
           <a:p>
             <a:fld id="{49343D99-809A-49C0-96E5-4250D0B498EE}" type="datetime1">
               <a:rPr lang="en-US" smtClean="0"/>
-              <a:t>10/26/2022</a:t>
+              <a:t>10/30/2022</a:t>
             </a:fld>
             <a:endParaRPr lang="en-US" dirty="0"/>
           </a:p>
@@ -7306,7 +7306,7 @@
           <a:p>
             <a:fld id="{A143DE9B-B678-4EFB-BB7D-A4370204A0B0}" type="datetime1">
               <a:rPr lang="en-US" smtClean="0"/>
-              <a:t>10/26/2022</a:t>
+              <a:t>10/30/2022</a:t>
             </a:fld>
             <a:endParaRPr lang="en-US" dirty="0"/>
           </a:p>
@@ -7404,7 +7404,7 @@
           <a:p>
             <a:fld id="{E68812DA-F765-4142-A6A3-A8ED7235E082}" type="datetime1">
               <a:rPr lang="en-US" smtClean="0"/>
-              <a:t>10/26/2022</a:t>
+              <a:t>10/30/2022</a:t>
             </a:fld>
             <a:endParaRPr lang="en-US" dirty="0"/>
           </a:p>
@@ -7662,7 +7662,7 @@
           <a:p>
             <a:fld id="{3E0277FD-7DE6-41D4-930D-AC99F5AFE54E}" type="datetime1">
               <a:rPr lang="en-US" smtClean="0"/>
-              <a:t>10/26/2022</a:t>
+              <a:t>10/30/2022</a:t>
             </a:fld>
             <a:endParaRPr lang="en-US" dirty="0"/>
           </a:p>
@@ -7972,7 +7972,7 @@
           <a:p>
             <a:fld id="{9EA15526-7079-4B7B-987C-1B5FAE11A0FF}" type="datetime1">
               <a:rPr lang="en-US" smtClean="0"/>
-              <a:t>10/26/2022</a:t>
+              <a:t>10/30/2022</a:t>
             </a:fld>
             <a:endParaRPr lang="en-US" dirty="0"/>
           </a:p>
@@ -8210,7 +8210,7 @@
           <a:p>
             <a:fld id="{073ED0CC-082F-4160-86E5-0D6041F12778}" type="datetime1">
               <a:rPr lang="en-US" smtClean="0"/>
-              <a:t>10/26/2022</a:t>
+              <a:t>10/30/2022</a:t>
             </a:fld>
             <a:endParaRPr lang="en-US" dirty="0"/>
           </a:p>
@@ -9128,7 +9128,7 @@
           </a:effectLst>
           <a:extLst>
             <a:ext uri="{91240B29-F687-4f45-9708-019B960494DF}">
-              <a14:hiddenLine xmlns:a16="http://schemas.microsoft.com/office/drawing/2014/main" xmlns:p14="http://schemas.microsoft.com/office/powerpoint/2010/main" xmlns:a14="http://schemas.microsoft.com/office/drawing/2010/main" xmlns="" w="9525">
+              <a14:hiddenLine xmlns="" xmlns:a14="http://schemas.microsoft.com/office/drawing/2010/main" xmlns:p14="http://schemas.microsoft.com/office/powerpoint/2010/main" xmlns:a16="http://schemas.microsoft.com/office/drawing/2014/main" w="9525">
                 <a:solidFill>
                   <a:srgbClr val="000000"/>
                 </a:solidFill>
@@ -24621,7 +24621,7 @@
           <a:p>
             <a:r>
               <a:rPr lang="en-US" sz="6000" b="1" dirty="0"/>
-              <a:t>All about Arrays</a:t>
+              <a:t>All about NumPy Arrays</a:t>
             </a:r>
           </a:p>
         </p:txBody>
@@ -29118,21 +29118,21 @@
 </file>
 
 <file path=customXml/item1.xml><?xml version="1.0" encoding="utf-8"?>
+<?mso-contentType ?>
+<FormTemplates xmlns="http://schemas.microsoft.com/sharepoint/v3/contenttype/forms">
+  <Display>DocumentLibraryForm</Display>
+  <Edit>DocumentLibraryForm</Edit>
+  <New>DocumentLibraryForm</New>
+</FormTemplates>
+</file>
+
+<file path=customXml/item2.xml><?xml version="1.0" encoding="utf-8"?>
 <p:properties xmlns:p="http://schemas.microsoft.com/office/2006/metadata/properties" xmlns:xsi="http://www.w3.org/2001/XMLSchema-instance" xmlns:pc="http://schemas.microsoft.com/office/infopath/2007/PartnerControls">
   <documentManagement>
     <Status xmlns="71af3243-3dd4-4a8d-8c0d-dd76da1f02a5">Not started</Status>
     <MediaServiceKeyPoints xmlns="71af3243-3dd4-4a8d-8c0d-dd76da1f02a5" xsi:nil="true"/>
   </documentManagement>
 </p:properties>
-</file>
-
-<file path=customXml/item2.xml><?xml version="1.0" encoding="utf-8"?>
-<?mso-contentType ?>
-<FormTemplates xmlns="http://schemas.microsoft.com/sharepoint/v3/contenttype/forms">
-  <Display>DocumentLibraryForm</Display>
-  <Edit>DocumentLibraryForm</Edit>
-  <New>DocumentLibraryForm</New>
-</FormTemplates>
 </file>
 
 <file path=customXml/item3.xml><?xml version="1.0" encoding="utf-8"?>
@@ -29357,19 +29357,19 @@
 </file>
 
 <file path=customXml/itemProps1.xml><?xml version="1.0" encoding="utf-8"?>
+<ds:datastoreItem xmlns:ds="http://schemas.openxmlformats.org/officeDocument/2006/customXml" ds:itemID="{30CB38EC-895A-4F8F-8F75-E263501ABB5A}">
+  <ds:schemaRefs>
+    <ds:schemaRef ds:uri="http://schemas.microsoft.com/sharepoint/v3/contenttype/forms"/>
+  </ds:schemaRefs>
+</ds:datastoreItem>
+</file>
+
+<file path=customXml/itemProps2.xml><?xml version="1.0" encoding="utf-8"?>
 <ds:datastoreItem xmlns:ds="http://schemas.openxmlformats.org/officeDocument/2006/customXml" ds:itemID="{F7E70FC5-1855-47AB-8CE1-CB3C873A8988}">
   <ds:schemaRefs>
     <ds:schemaRef ds:uri="http://schemas.microsoft.com/office/2006/metadata/properties"/>
     <ds:schemaRef ds:uri="http://schemas.microsoft.com/office/infopath/2007/PartnerControls"/>
     <ds:schemaRef ds:uri="71af3243-3dd4-4a8d-8c0d-dd76da1f02a5"/>
-  </ds:schemaRefs>
-</ds:datastoreItem>
-</file>
-
-<file path=customXml/itemProps2.xml><?xml version="1.0" encoding="utf-8"?>
-<ds:datastoreItem xmlns:ds="http://schemas.openxmlformats.org/officeDocument/2006/customXml" ds:itemID="{30CB38EC-895A-4F8F-8F75-E263501ABB5A}">
-  <ds:schemaRefs>
-    <ds:schemaRef ds:uri="http://schemas.microsoft.com/sharepoint/v3/contenttype/forms"/>
   </ds:schemaRefs>
 </ds:datastoreItem>
 </file>
